--- a/Presentations/4_Continuous_development-writing-documenting-testing.pptx
+++ b/Presentations/4_Continuous_development-writing-documenting-testing.pptx
@@ -249,7 +249,7 @@
           <a:p>
             <a:fld id="{90932C27-7A12-5D47-865F-0077DE711A5B}" type="datetimeFigureOut">
               <a:rPr lang="en-US" smtClean="0"/>
-              <a:t>10/17/22</a:t>
+              <a:t>11/8/22</a:t>
             </a:fld>
             <a:endParaRPr lang="en-US"/>
           </a:p>
@@ -426,7 +426,7 @@
           <a:p>
             <a:fld id="{0FEDCE38-12D8-824E-8313-E5640C50BE3F}" type="datetimeFigureOut">
               <a:rPr lang="en-US" smtClean="0"/>
-              <a:t>10/17/22</a:t>
+              <a:t>11/8/22</a:t>
             </a:fld>
             <a:endParaRPr lang="en-US"/>
           </a:p>
@@ -2735,7 +2735,7 @@
         </p:nvSpPr>
         <p:spPr>
           <a:xfrm>
-            <a:off x="142068" y="1240157"/>
+            <a:off x="142068" y="1250431"/>
             <a:ext cx="11907864" cy="2517169"/>
           </a:xfrm>
         </p:spPr>

--- a/Presentations/4_Continuous_development-writing-documenting-testing.pptx
+++ b/Presentations/4_Continuous_development-writing-documenting-testing.pptx
@@ -24,9 +24,9 @@
     <p:sldId id="390" r:id="rId12"/>
     <p:sldId id="389" r:id="rId13"/>
     <p:sldId id="403" r:id="rId14"/>
-    <p:sldId id="394" r:id="rId15"/>
-    <p:sldId id="396" r:id="rId16"/>
-    <p:sldId id="395" r:id="rId17"/>
+    <p:sldId id="395" r:id="rId15"/>
+    <p:sldId id="394" r:id="rId16"/>
+    <p:sldId id="396" r:id="rId17"/>
     <p:sldId id="393" r:id="rId18"/>
     <p:sldId id="398" r:id="rId19"/>
     <p:sldId id="400" r:id="rId20"/>
@@ -10339,690 +10339,6 @@
       </p:sp>
       <p:sp>
         <p:nvSpPr>
-          <p:cNvPr id="5" name="Content Placeholder 4">
-            <a:extLst>
-              <a:ext uri="{FF2B5EF4-FFF2-40B4-BE49-F238E27FC236}">
-                <a16:creationId xmlns:a16="http://schemas.microsoft.com/office/drawing/2014/main" id="{E6479E0C-444B-B94E-B7C8-D01D76B00897}"/>
-              </a:ext>
-            </a:extLst>
-          </p:cNvPr>
-          <p:cNvSpPr>
-            <a:spLocks noGrp="1"/>
-          </p:cNvSpPr>
-          <p:nvPr>
-            <p:ph idx="1"/>
-          </p:nvPr>
-        </p:nvSpPr>
-        <p:spPr>
-          <a:xfrm>
-            <a:off x="111760" y="873761"/>
-            <a:ext cx="11927840" cy="5517515"/>
-          </a:xfrm>
-        </p:spPr>
-        <p:txBody>
-          <a:bodyPr>
-            <a:normAutofit/>
-          </a:bodyPr>
-          <a:lstStyle/>
-          <a:p>
-            <a:pPr>
-              <a:lnSpc>
-                <a:spcPct val="100000"/>
-              </a:lnSpc>
-            </a:pPr>
-            <a:endParaRPr lang="en-US" sz="1800" dirty="0"/>
-          </a:p>
-          <a:p>
-            <a:pPr>
-              <a:lnSpc>
-                <a:spcPct val="100000"/>
-              </a:lnSpc>
-            </a:pPr>
-            <a:endParaRPr lang="en-US" sz="1800" dirty="0"/>
-          </a:p>
-          <a:p>
-            <a:pPr marL="342900" indent="-342900">
-              <a:lnSpc>
-                <a:spcPct val="100000"/>
-              </a:lnSpc>
-              <a:buFontTx/>
-              <a:buChar char="-"/>
-            </a:pPr>
-            <a:r>
-              <a:rPr lang="en-US" sz="1800" dirty="0"/>
-              <a:t>Always put .R files containing functions in R/. The easiest to create these files is to run `</a:t>
-            </a:r>
-            <a:r>
-              <a:rPr lang="en-US" sz="1800" dirty="0" err="1">
-                <a:latin typeface="Menlo" panose="020B0609030804020204" pitchFamily="49" charset="0"/>
-                <a:ea typeface="Menlo" panose="020B0609030804020204" pitchFamily="49" charset="0"/>
-                <a:cs typeface="Menlo" panose="020B0609030804020204" pitchFamily="49" charset="0"/>
-              </a:rPr>
-              <a:t>use_r</a:t>
-            </a:r>
-            <a:r>
-              <a:rPr lang="en-US" sz="1800" dirty="0">
-                <a:latin typeface="Menlo" panose="020B0609030804020204" pitchFamily="49" charset="0"/>
-                <a:ea typeface="Menlo" panose="020B0609030804020204" pitchFamily="49" charset="0"/>
-                <a:cs typeface="Menlo" panose="020B0609030804020204" pitchFamily="49" charset="0"/>
-              </a:rPr>
-              <a:t>(”…”)</a:t>
-            </a:r>
-            <a:r>
-              <a:rPr lang="en-US" sz="1800" dirty="0"/>
-              <a:t>`. </a:t>
-            </a:r>
-          </a:p>
-          <a:p>
-            <a:pPr marL="342900" indent="-342900">
-              <a:lnSpc>
-                <a:spcPct val="100000"/>
-              </a:lnSpc>
-              <a:buFontTx/>
-              <a:buChar char="-"/>
-            </a:pPr>
-            <a:endParaRPr lang="en-US" sz="1800" dirty="0"/>
-          </a:p>
-          <a:p>
-            <a:pPr marL="0" indent="0">
-              <a:lnSpc>
-                <a:spcPct val="100000"/>
-              </a:lnSpc>
-            </a:pPr>
-            <a:endParaRPr lang="en-US" sz="1800" dirty="0"/>
-          </a:p>
-          <a:p>
-            <a:pPr marL="0" indent="0">
-              <a:lnSpc>
-                <a:spcPct val="100000"/>
-              </a:lnSpc>
-            </a:pPr>
-            <a:r>
-              <a:rPr lang="en-US" sz="1400" dirty="0">
-                <a:solidFill>
-                  <a:schemeClr val="tx1">
-                    <a:lumMod val="65000"/>
-                    <a:lumOff val="35000"/>
-                  </a:schemeClr>
-                </a:solidFill>
-              </a:rPr>
-              <a:t>`</a:t>
-            </a:r>
-            <a:r>
-              <a:rPr lang="en-US" sz="1400" dirty="0">
-                <a:solidFill>
-                  <a:schemeClr val="tx1">
-                    <a:lumMod val="65000"/>
-                    <a:lumOff val="35000"/>
-                  </a:schemeClr>
-                </a:solidFill>
-                <a:latin typeface="Menlo" panose="020B0609030804020204" pitchFamily="49" charset="0"/>
-                <a:ea typeface="Menlo" panose="020B0609030804020204" pitchFamily="49" charset="0"/>
-                <a:cs typeface="Menlo" panose="020B0609030804020204" pitchFamily="49" charset="0"/>
-              </a:rPr>
-              <a:t>source(“.”)</a:t>
-            </a:r>
-            <a:r>
-              <a:rPr lang="en-US" sz="1400" dirty="0">
-                <a:solidFill>
-                  <a:schemeClr val="tx1">
-                    <a:lumMod val="65000"/>
-                    <a:lumOff val="35000"/>
-                  </a:schemeClr>
-                </a:solidFill>
-              </a:rPr>
-              <a:t>` and `</a:t>
-            </a:r>
-            <a:r>
-              <a:rPr lang="en-US" sz="1400" dirty="0" err="1">
-                <a:solidFill>
-                  <a:schemeClr val="tx1">
-                    <a:lumMod val="65000"/>
-                    <a:lumOff val="35000"/>
-                  </a:schemeClr>
-                </a:solidFill>
-                <a:latin typeface="Menlo" panose="020B0609030804020204" pitchFamily="49" charset="0"/>
-                <a:ea typeface="Menlo" panose="020B0609030804020204" pitchFamily="49" charset="0"/>
-                <a:cs typeface="Menlo" panose="020B0609030804020204" pitchFamily="49" charset="0"/>
-              </a:rPr>
-              <a:t>load_all</a:t>
-            </a:r>
-            <a:r>
-              <a:rPr lang="en-US" sz="1400" dirty="0">
-                <a:solidFill>
-                  <a:schemeClr val="tx1">
-                    <a:lumMod val="65000"/>
-                    <a:lumOff val="35000"/>
-                  </a:schemeClr>
-                </a:solidFill>
-                <a:latin typeface="Menlo" panose="020B0609030804020204" pitchFamily="49" charset="0"/>
-                <a:ea typeface="Menlo" panose="020B0609030804020204" pitchFamily="49" charset="0"/>
-                <a:cs typeface="Menlo" panose="020B0609030804020204" pitchFamily="49" charset="0"/>
-              </a:rPr>
-              <a:t>(“.”)</a:t>
-            </a:r>
-            <a:r>
-              <a:rPr lang="en-US" sz="1400" dirty="0">
-                <a:solidFill>
-                  <a:schemeClr val="tx1">
-                    <a:lumMod val="65000"/>
-                    <a:lumOff val="35000"/>
-                  </a:schemeClr>
-                </a:solidFill>
-              </a:rPr>
-              <a:t>` do not behave the same way: while `</a:t>
-            </a:r>
-            <a:r>
-              <a:rPr lang="en-US" sz="1400" dirty="0">
-                <a:solidFill>
-                  <a:schemeClr val="tx1">
-                    <a:lumMod val="65000"/>
-                    <a:lumOff val="35000"/>
-                  </a:schemeClr>
-                </a:solidFill>
-                <a:latin typeface="Menlo" panose="020B0609030804020204" pitchFamily="49" charset="0"/>
-                <a:ea typeface="Menlo" panose="020B0609030804020204" pitchFamily="49" charset="0"/>
-                <a:cs typeface="Menlo" panose="020B0609030804020204" pitchFamily="49" charset="0"/>
-              </a:rPr>
-              <a:t>source</a:t>
-            </a:r>
-            <a:r>
-              <a:rPr lang="en-US" sz="1400" dirty="0">
-                <a:solidFill>
-                  <a:schemeClr val="tx1">
-                    <a:lumMod val="65000"/>
-                    <a:lumOff val="35000"/>
-                  </a:schemeClr>
-                </a:solidFill>
-              </a:rPr>
-              <a:t>` dumps all .R files found in directory and recursively, `</a:t>
-            </a:r>
-            <a:r>
-              <a:rPr lang="en-US" sz="1400" dirty="0" err="1">
-                <a:solidFill>
-                  <a:schemeClr val="tx1">
-                    <a:lumMod val="65000"/>
-                    <a:lumOff val="35000"/>
-                  </a:schemeClr>
-                </a:solidFill>
-                <a:latin typeface="Menlo" panose="020B0609030804020204" pitchFamily="49" charset="0"/>
-                <a:ea typeface="Menlo" panose="020B0609030804020204" pitchFamily="49" charset="0"/>
-                <a:cs typeface="Menlo" panose="020B0609030804020204" pitchFamily="49" charset="0"/>
-              </a:rPr>
-              <a:t>load_all</a:t>
-            </a:r>
-            <a:r>
-              <a:rPr lang="en-US" sz="1400" dirty="0">
-                <a:solidFill>
-                  <a:schemeClr val="tx1">
-                    <a:lumMod val="65000"/>
-                    <a:lumOff val="35000"/>
-                  </a:schemeClr>
-                </a:solidFill>
-                <a:latin typeface="Menlo" panose="020B0609030804020204" pitchFamily="49" charset="0"/>
-                <a:ea typeface="Menlo" panose="020B0609030804020204" pitchFamily="49" charset="0"/>
-                <a:cs typeface="Menlo" panose="020B0609030804020204" pitchFamily="49" charset="0"/>
-              </a:rPr>
-              <a:t>(“.”)</a:t>
-            </a:r>
-            <a:r>
-              <a:rPr lang="en-US" sz="1400" dirty="0">
-                <a:solidFill>
-                  <a:schemeClr val="tx1">
-                    <a:lumMod val="65000"/>
-                    <a:lumOff val="35000"/>
-                  </a:schemeClr>
-                </a:solidFill>
-              </a:rPr>
-              <a:t>` specifically reads in .R files from R/ folder.</a:t>
-            </a:r>
-          </a:p>
-          <a:p>
-            <a:pPr>
-              <a:lnSpc>
-                <a:spcPct val="100000"/>
-              </a:lnSpc>
-            </a:pPr>
-            <a:r>
-              <a:rPr lang="en-US" sz="1800" dirty="0"/>
-              <a:t> </a:t>
-            </a:r>
-          </a:p>
-        </p:txBody>
-      </p:sp>
-      <p:sp>
-        <p:nvSpPr>
-          <p:cNvPr id="6" name="Text Placeholder 5">
-            <a:extLst>
-              <a:ext uri="{FF2B5EF4-FFF2-40B4-BE49-F238E27FC236}">
-                <a16:creationId xmlns:a16="http://schemas.microsoft.com/office/drawing/2014/main" id="{8A27795F-0DE5-DB42-BE3B-D451115B54FC}"/>
-              </a:ext>
-            </a:extLst>
-          </p:cNvPr>
-          <p:cNvSpPr>
-            <a:spLocks noGrp="1"/>
-          </p:cNvSpPr>
-          <p:nvPr>
-            <p:ph type="body" sz="quarter" idx="13"/>
-          </p:nvPr>
-        </p:nvSpPr>
-        <p:spPr/>
-        <p:txBody>
-          <a:bodyPr/>
-          <a:lstStyle/>
-          <a:p>
-            <a:endParaRPr lang="en-US"/>
-          </a:p>
-        </p:txBody>
-      </p:sp>
-      <p:sp>
-        <p:nvSpPr>
-          <p:cNvPr id="24" name="Rounded Rectangle 23">
-            <a:extLst>
-              <a:ext uri="{FF2B5EF4-FFF2-40B4-BE49-F238E27FC236}">
-                <a16:creationId xmlns:a16="http://schemas.microsoft.com/office/drawing/2014/main" id="{85112820-1127-1B42-AA43-3CBC656E9D7D}"/>
-              </a:ext>
-            </a:extLst>
-          </p:cNvPr>
-          <p:cNvSpPr/>
-          <p:nvPr/>
-        </p:nvSpPr>
-        <p:spPr>
-          <a:xfrm>
-            <a:off x="241562" y="946943"/>
-            <a:ext cx="1732538" cy="412598"/>
-          </a:xfrm>
-          <a:prstGeom prst="roundRect">
-            <a:avLst/>
-          </a:prstGeom>
-        </p:spPr>
-        <p:style>
-          <a:lnRef idx="1">
-            <a:schemeClr val="accent4"/>
-          </a:lnRef>
-          <a:fillRef idx="3">
-            <a:schemeClr val="accent4"/>
-          </a:fillRef>
-          <a:effectRef idx="2">
-            <a:schemeClr val="accent4"/>
-          </a:effectRef>
-          <a:fontRef idx="minor">
-            <a:schemeClr val="lt1"/>
-          </a:fontRef>
-        </p:style>
-        <p:txBody>
-          <a:bodyPr rtlCol="0" anchor="ctr"/>
-          <a:lstStyle/>
-          <a:p>
-            <a:r>
-              <a:rPr lang="en-US" sz="1600" dirty="0">
-                <a:solidFill>
-                  <a:sysClr val="windowText" lastClr="000000"/>
-                </a:solidFill>
-                <a:latin typeface="Avenir Book" panose="02000503020000020003" pitchFamily="2" charset="0"/>
-              </a:rPr>
-              <a:t>Write functions</a:t>
-            </a:r>
-          </a:p>
-        </p:txBody>
-      </p:sp>
-    </p:spTree>
-    <p:extLst>
-      <p:ext uri="{BB962C8B-B14F-4D97-AF65-F5344CB8AC3E}">
-        <p14:creationId xmlns:p14="http://schemas.microsoft.com/office/powerpoint/2010/main" val="2006879402"/>
-      </p:ext>
-    </p:extLst>
-  </p:cSld>
-  <p:clrMapOvr>
-    <a:masterClrMapping/>
-  </p:clrMapOvr>
-</p:sld>
-</file>
-
-<file path=ppt/slides/slide15.xml><?xml version="1.0" encoding="utf-8"?>
-<p:sld xmlns:a="http://schemas.openxmlformats.org/drawingml/2006/main" xmlns:r="http://schemas.openxmlformats.org/officeDocument/2006/relationships" xmlns:p="http://schemas.openxmlformats.org/presentationml/2006/main">
-  <p:cSld>
-    <p:spTree>
-      <p:nvGrpSpPr>
-        <p:cNvPr id="1" name=""/>
-        <p:cNvGrpSpPr/>
-        <p:nvPr/>
-      </p:nvGrpSpPr>
-      <p:grpSpPr>
-        <a:xfrm>
-          <a:off x="0" y="0"/>
-          <a:ext cx="0" cy="0"/>
-          <a:chOff x="0" y="0"/>
-          <a:chExt cx="0" cy="0"/>
-        </a:xfrm>
-      </p:grpSpPr>
-      <p:sp>
-        <p:nvSpPr>
-          <p:cNvPr id="2" name="Title 1">
-            <a:extLst>
-              <a:ext uri="{FF2B5EF4-FFF2-40B4-BE49-F238E27FC236}">
-                <a16:creationId xmlns:a16="http://schemas.microsoft.com/office/drawing/2014/main" id="{95E03798-1DE5-3F43-AD03-9D487FED406D}"/>
-              </a:ext>
-            </a:extLst>
-          </p:cNvPr>
-          <p:cNvSpPr>
-            <a:spLocks noGrp="1"/>
-          </p:cNvSpPr>
-          <p:nvPr>
-            <p:ph type="title"/>
-          </p:nvPr>
-        </p:nvSpPr>
-        <p:spPr/>
-        <p:txBody>
-          <a:bodyPr/>
-          <a:lstStyle/>
-          <a:p>
-            <a:r>
-              <a:rPr lang="en-GB" dirty="0"/>
-              <a:t>How to </a:t>
-            </a:r>
-            <a:r>
-              <a:rPr lang="en-GB"/>
-              <a:t>write functions</a:t>
-            </a:r>
-            <a:endParaRPr lang="en-US" dirty="0"/>
-          </a:p>
-        </p:txBody>
-      </p:sp>
-      <p:sp>
-        <p:nvSpPr>
-          <p:cNvPr id="5" name="Content Placeholder 4">
-            <a:extLst>
-              <a:ext uri="{FF2B5EF4-FFF2-40B4-BE49-F238E27FC236}">
-                <a16:creationId xmlns:a16="http://schemas.microsoft.com/office/drawing/2014/main" id="{E6479E0C-444B-B94E-B7C8-D01D76B00897}"/>
-              </a:ext>
-            </a:extLst>
-          </p:cNvPr>
-          <p:cNvSpPr>
-            <a:spLocks noGrp="1"/>
-          </p:cNvSpPr>
-          <p:nvPr>
-            <p:ph idx="1"/>
-          </p:nvPr>
-        </p:nvSpPr>
-        <p:spPr>
-          <a:xfrm>
-            <a:off x="111760" y="873761"/>
-            <a:ext cx="11927840" cy="5517515"/>
-          </a:xfrm>
-        </p:spPr>
-        <p:txBody>
-          <a:bodyPr>
-            <a:normAutofit/>
-          </a:bodyPr>
-          <a:lstStyle/>
-          <a:p>
-            <a:pPr>
-              <a:lnSpc>
-                <a:spcPct val="100000"/>
-              </a:lnSpc>
-            </a:pPr>
-            <a:endParaRPr lang="en-US" sz="1800" dirty="0"/>
-          </a:p>
-          <a:p>
-            <a:pPr>
-              <a:lnSpc>
-                <a:spcPct val="100000"/>
-              </a:lnSpc>
-            </a:pPr>
-            <a:endParaRPr lang="en-US" sz="1800" dirty="0"/>
-          </a:p>
-          <a:p>
-            <a:pPr marL="342900" indent="-342900">
-              <a:lnSpc>
-                <a:spcPct val="100000"/>
-              </a:lnSpc>
-              <a:buFontTx/>
-              <a:buChar char="-"/>
-            </a:pPr>
-            <a:r>
-              <a:rPr lang="en-US" sz="1800" dirty="0"/>
-              <a:t>Prefer many short functions over a single massive function. Bioconductor advises functions shorter than 100 lines. </a:t>
-            </a:r>
-          </a:p>
-          <a:p>
-            <a:pPr marL="0" indent="0">
-              <a:lnSpc>
-                <a:spcPct val="100000"/>
-              </a:lnSpc>
-            </a:pPr>
-            <a:endParaRPr lang="en-US" sz="1800" dirty="0"/>
-          </a:p>
-          <a:p>
-            <a:pPr marL="0" indent="0">
-              <a:lnSpc>
-                <a:spcPct val="100000"/>
-              </a:lnSpc>
-            </a:pPr>
-            <a:endParaRPr lang="en-US" sz="1800" dirty="0"/>
-          </a:p>
-          <a:p>
-            <a:pPr marL="0" indent="0">
-              <a:lnSpc>
-                <a:spcPct val="100000"/>
-              </a:lnSpc>
-            </a:pPr>
-            <a:r>
-              <a:rPr lang="en-US" sz="1400" dirty="0">
-                <a:solidFill>
-                  <a:schemeClr val="tx1">
-                    <a:lumMod val="65000"/>
-                    <a:lumOff val="35000"/>
-                  </a:schemeClr>
-                </a:solidFill>
-              </a:rPr>
-              <a:t>Functions are </a:t>
-            </a:r>
-            <a:r>
-              <a:rPr lang="en-US" sz="1400" u="sng" dirty="0">
-                <a:solidFill>
-                  <a:schemeClr val="tx1">
-                    <a:lumMod val="65000"/>
-                    <a:lumOff val="35000"/>
-                  </a:schemeClr>
-                </a:solidFill>
-              </a:rPr>
-              <a:t>immensely</a:t>
-            </a:r>
-            <a:r>
-              <a:rPr lang="en-US" sz="1400" dirty="0">
-                <a:solidFill>
-                  <a:schemeClr val="tx1">
-                    <a:lumMod val="65000"/>
-                    <a:lumOff val="35000"/>
-                  </a:schemeClr>
-                </a:solidFill>
-              </a:rPr>
-              <a:t> easier to test/debug this way. </a:t>
-            </a:r>
-          </a:p>
-          <a:p>
-            <a:pPr>
-              <a:lnSpc>
-                <a:spcPct val="100000"/>
-              </a:lnSpc>
-            </a:pPr>
-            <a:r>
-              <a:rPr lang="en-US" sz="1800" dirty="0"/>
-              <a:t> </a:t>
-            </a:r>
-          </a:p>
-          <a:p>
-            <a:pPr marL="342900" indent="-342900">
-              <a:lnSpc>
-                <a:spcPct val="100000"/>
-              </a:lnSpc>
-              <a:buFontTx/>
-              <a:buChar char="-"/>
-            </a:pPr>
-            <a:endParaRPr lang="en-US" sz="1400" dirty="0">
-              <a:solidFill>
-                <a:schemeClr val="tx1">
-                  <a:lumMod val="65000"/>
-                  <a:lumOff val="35000"/>
-                </a:schemeClr>
-              </a:solidFill>
-            </a:endParaRPr>
-          </a:p>
-          <a:p>
-            <a:pPr>
-              <a:lnSpc>
-                <a:spcPct val="100000"/>
-              </a:lnSpc>
-            </a:pPr>
-            <a:r>
-              <a:rPr lang="en-US" sz="1800" dirty="0"/>
-              <a:t> </a:t>
-            </a:r>
-          </a:p>
-        </p:txBody>
-      </p:sp>
-      <p:sp>
-        <p:nvSpPr>
-          <p:cNvPr id="6" name="Text Placeholder 5">
-            <a:extLst>
-              <a:ext uri="{FF2B5EF4-FFF2-40B4-BE49-F238E27FC236}">
-                <a16:creationId xmlns:a16="http://schemas.microsoft.com/office/drawing/2014/main" id="{8A27795F-0DE5-DB42-BE3B-D451115B54FC}"/>
-              </a:ext>
-            </a:extLst>
-          </p:cNvPr>
-          <p:cNvSpPr>
-            <a:spLocks noGrp="1"/>
-          </p:cNvSpPr>
-          <p:nvPr>
-            <p:ph type="body" sz="quarter" idx="13"/>
-          </p:nvPr>
-        </p:nvSpPr>
-        <p:spPr/>
-        <p:txBody>
-          <a:bodyPr/>
-          <a:lstStyle/>
-          <a:p>
-            <a:endParaRPr lang="en-US"/>
-          </a:p>
-        </p:txBody>
-      </p:sp>
-      <p:sp>
-        <p:nvSpPr>
-          <p:cNvPr id="24" name="Rounded Rectangle 23">
-            <a:extLst>
-              <a:ext uri="{FF2B5EF4-FFF2-40B4-BE49-F238E27FC236}">
-                <a16:creationId xmlns:a16="http://schemas.microsoft.com/office/drawing/2014/main" id="{85112820-1127-1B42-AA43-3CBC656E9D7D}"/>
-              </a:ext>
-            </a:extLst>
-          </p:cNvPr>
-          <p:cNvSpPr/>
-          <p:nvPr/>
-        </p:nvSpPr>
-        <p:spPr>
-          <a:xfrm>
-            <a:off x="241562" y="946943"/>
-            <a:ext cx="1732538" cy="412598"/>
-          </a:xfrm>
-          <a:prstGeom prst="roundRect">
-            <a:avLst/>
-          </a:prstGeom>
-        </p:spPr>
-        <p:style>
-          <a:lnRef idx="1">
-            <a:schemeClr val="accent4"/>
-          </a:lnRef>
-          <a:fillRef idx="3">
-            <a:schemeClr val="accent4"/>
-          </a:fillRef>
-          <a:effectRef idx="2">
-            <a:schemeClr val="accent4"/>
-          </a:effectRef>
-          <a:fontRef idx="minor">
-            <a:schemeClr val="lt1"/>
-          </a:fontRef>
-        </p:style>
-        <p:txBody>
-          <a:bodyPr rtlCol="0" anchor="ctr"/>
-          <a:lstStyle/>
-          <a:p>
-            <a:r>
-              <a:rPr lang="en-US" sz="1600" dirty="0">
-                <a:solidFill>
-                  <a:sysClr val="windowText" lastClr="000000"/>
-                </a:solidFill>
-                <a:latin typeface="Avenir Book" panose="02000503020000020003" pitchFamily="2" charset="0"/>
-              </a:rPr>
-              <a:t>Write functions</a:t>
-            </a:r>
-          </a:p>
-        </p:txBody>
-      </p:sp>
-    </p:spTree>
-    <p:extLst>
-      <p:ext uri="{BB962C8B-B14F-4D97-AF65-F5344CB8AC3E}">
-        <p14:creationId xmlns:p14="http://schemas.microsoft.com/office/powerpoint/2010/main" val="3348033940"/>
-      </p:ext>
-    </p:extLst>
-  </p:cSld>
-  <p:clrMapOvr>
-    <a:masterClrMapping/>
-  </p:clrMapOvr>
-</p:sld>
-</file>
-
-<file path=ppt/slides/slide16.xml><?xml version="1.0" encoding="utf-8"?>
-<p:sld xmlns:a="http://schemas.openxmlformats.org/drawingml/2006/main" xmlns:r="http://schemas.openxmlformats.org/officeDocument/2006/relationships" xmlns:p="http://schemas.openxmlformats.org/presentationml/2006/main">
-  <p:cSld>
-    <p:spTree>
-      <p:nvGrpSpPr>
-        <p:cNvPr id="1" name=""/>
-        <p:cNvGrpSpPr/>
-        <p:nvPr/>
-      </p:nvGrpSpPr>
-      <p:grpSpPr>
-        <a:xfrm>
-          <a:off x="0" y="0"/>
-          <a:ext cx="0" cy="0"/>
-          <a:chOff x="0" y="0"/>
-          <a:chExt cx="0" cy="0"/>
-        </a:xfrm>
-      </p:grpSpPr>
-      <p:sp>
-        <p:nvSpPr>
-          <p:cNvPr id="2" name="Title 1">
-            <a:extLst>
-              <a:ext uri="{FF2B5EF4-FFF2-40B4-BE49-F238E27FC236}">
-                <a16:creationId xmlns:a16="http://schemas.microsoft.com/office/drawing/2014/main" id="{95E03798-1DE5-3F43-AD03-9D487FED406D}"/>
-              </a:ext>
-            </a:extLst>
-          </p:cNvPr>
-          <p:cNvSpPr>
-            <a:spLocks noGrp="1"/>
-          </p:cNvSpPr>
-          <p:nvPr>
-            <p:ph type="title"/>
-          </p:nvPr>
-        </p:nvSpPr>
-        <p:spPr/>
-        <p:txBody>
-          <a:bodyPr/>
-          <a:lstStyle/>
-          <a:p>
-            <a:r>
-              <a:rPr lang="en-GB" dirty="0"/>
-              <a:t>How to </a:t>
-            </a:r>
-            <a:r>
-              <a:rPr lang="en-GB"/>
-              <a:t>write functions</a:t>
-            </a:r>
-            <a:endParaRPr lang="en-US" dirty="0"/>
-          </a:p>
-        </p:txBody>
-      </p:sp>
-      <p:sp>
-        <p:nvSpPr>
           <p:cNvPr id="6" name="Text Placeholder 5">
             <a:extLst>
               <a:ext uri="{FF2B5EF4-FFF2-40B4-BE49-F238E27FC236}">
@@ -12116,6 +11432,690 @@
     <p:extLst>
       <p:ext uri="{BB962C8B-B14F-4D97-AF65-F5344CB8AC3E}">
         <p14:creationId xmlns:p14="http://schemas.microsoft.com/office/powerpoint/2010/main" val="207496261"/>
+      </p:ext>
+    </p:extLst>
+  </p:cSld>
+  <p:clrMapOvr>
+    <a:masterClrMapping/>
+  </p:clrMapOvr>
+</p:sld>
+</file>
+
+<file path=ppt/slides/slide15.xml><?xml version="1.0" encoding="utf-8"?>
+<p:sld xmlns:a="http://schemas.openxmlformats.org/drawingml/2006/main" xmlns:r="http://schemas.openxmlformats.org/officeDocument/2006/relationships" xmlns:p="http://schemas.openxmlformats.org/presentationml/2006/main">
+  <p:cSld>
+    <p:spTree>
+      <p:nvGrpSpPr>
+        <p:cNvPr id="1" name=""/>
+        <p:cNvGrpSpPr/>
+        <p:nvPr/>
+      </p:nvGrpSpPr>
+      <p:grpSpPr>
+        <a:xfrm>
+          <a:off x="0" y="0"/>
+          <a:ext cx="0" cy="0"/>
+          <a:chOff x="0" y="0"/>
+          <a:chExt cx="0" cy="0"/>
+        </a:xfrm>
+      </p:grpSpPr>
+      <p:sp>
+        <p:nvSpPr>
+          <p:cNvPr id="2" name="Title 1">
+            <a:extLst>
+              <a:ext uri="{FF2B5EF4-FFF2-40B4-BE49-F238E27FC236}">
+                <a16:creationId xmlns:a16="http://schemas.microsoft.com/office/drawing/2014/main" id="{95E03798-1DE5-3F43-AD03-9D487FED406D}"/>
+              </a:ext>
+            </a:extLst>
+          </p:cNvPr>
+          <p:cNvSpPr>
+            <a:spLocks noGrp="1"/>
+          </p:cNvSpPr>
+          <p:nvPr>
+            <p:ph type="title"/>
+          </p:nvPr>
+        </p:nvSpPr>
+        <p:spPr/>
+        <p:txBody>
+          <a:bodyPr/>
+          <a:lstStyle/>
+          <a:p>
+            <a:r>
+              <a:rPr lang="en-GB" dirty="0"/>
+              <a:t>How to </a:t>
+            </a:r>
+            <a:r>
+              <a:rPr lang="en-GB"/>
+              <a:t>write functions</a:t>
+            </a:r>
+            <a:endParaRPr lang="en-US" dirty="0"/>
+          </a:p>
+        </p:txBody>
+      </p:sp>
+      <p:sp>
+        <p:nvSpPr>
+          <p:cNvPr id="5" name="Content Placeholder 4">
+            <a:extLst>
+              <a:ext uri="{FF2B5EF4-FFF2-40B4-BE49-F238E27FC236}">
+                <a16:creationId xmlns:a16="http://schemas.microsoft.com/office/drawing/2014/main" id="{E6479E0C-444B-B94E-B7C8-D01D76B00897}"/>
+              </a:ext>
+            </a:extLst>
+          </p:cNvPr>
+          <p:cNvSpPr>
+            <a:spLocks noGrp="1"/>
+          </p:cNvSpPr>
+          <p:nvPr>
+            <p:ph idx="1"/>
+          </p:nvPr>
+        </p:nvSpPr>
+        <p:spPr>
+          <a:xfrm>
+            <a:off x="111760" y="873761"/>
+            <a:ext cx="11927840" cy="5517515"/>
+          </a:xfrm>
+        </p:spPr>
+        <p:txBody>
+          <a:bodyPr>
+            <a:normAutofit/>
+          </a:bodyPr>
+          <a:lstStyle/>
+          <a:p>
+            <a:pPr>
+              <a:lnSpc>
+                <a:spcPct val="100000"/>
+              </a:lnSpc>
+            </a:pPr>
+            <a:endParaRPr lang="en-US" sz="1800" dirty="0"/>
+          </a:p>
+          <a:p>
+            <a:pPr>
+              <a:lnSpc>
+                <a:spcPct val="100000"/>
+              </a:lnSpc>
+            </a:pPr>
+            <a:endParaRPr lang="en-US" sz="1800" dirty="0"/>
+          </a:p>
+          <a:p>
+            <a:pPr marL="342900" indent="-342900">
+              <a:lnSpc>
+                <a:spcPct val="100000"/>
+              </a:lnSpc>
+              <a:buFontTx/>
+              <a:buChar char="-"/>
+            </a:pPr>
+            <a:r>
+              <a:rPr lang="en-US" sz="1800" dirty="0"/>
+              <a:t>Always put .R files containing functions in R/. The easiest to create these files is to run `</a:t>
+            </a:r>
+            <a:r>
+              <a:rPr lang="en-US" sz="1800" dirty="0" err="1">
+                <a:latin typeface="Menlo" panose="020B0609030804020204" pitchFamily="49" charset="0"/>
+                <a:ea typeface="Menlo" panose="020B0609030804020204" pitchFamily="49" charset="0"/>
+                <a:cs typeface="Menlo" panose="020B0609030804020204" pitchFamily="49" charset="0"/>
+              </a:rPr>
+              <a:t>use_r</a:t>
+            </a:r>
+            <a:r>
+              <a:rPr lang="en-US" sz="1800" dirty="0">
+                <a:latin typeface="Menlo" panose="020B0609030804020204" pitchFamily="49" charset="0"/>
+                <a:ea typeface="Menlo" panose="020B0609030804020204" pitchFamily="49" charset="0"/>
+                <a:cs typeface="Menlo" panose="020B0609030804020204" pitchFamily="49" charset="0"/>
+              </a:rPr>
+              <a:t>(”…”)</a:t>
+            </a:r>
+            <a:r>
+              <a:rPr lang="en-US" sz="1800" dirty="0"/>
+              <a:t>`. </a:t>
+            </a:r>
+          </a:p>
+          <a:p>
+            <a:pPr marL="342900" indent="-342900">
+              <a:lnSpc>
+                <a:spcPct val="100000"/>
+              </a:lnSpc>
+              <a:buFontTx/>
+              <a:buChar char="-"/>
+            </a:pPr>
+            <a:endParaRPr lang="en-US" sz="1800" dirty="0"/>
+          </a:p>
+          <a:p>
+            <a:pPr marL="0" indent="0">
+              <a:lnSpc>
+                <a:spcPct val="100000"/>
+              </a:lnSpc>
+            </a:pPr>
+            <a:endParaRPr lang="en-US" sz="1800" dirty="0"/>
+          </a:p>
+          <a:p>
+            <a:pPr marL="0" indent="0">
+              <a:lnSpc>
+                <a:spcPct val="100000"/>
+              </a:lnSpc>
+            </a:pPr>
+            <a:r>
+              <a:rPr lang="en-US" sz="1400" dirty="0">
+                <a:solidFill>
+                  <a:schemeClr val="tx1">
+                    <a:lumMod val="65000"/>
+                    <a:lumOff val="35000"/>
+                  </a:schemeClr>
+                </a:solidFill>
+              </a:rPr>
+              <a:t>`</a:t>
+            </a:r>
+            <a:r>
+              <a:rPr lang="en-US" sz="1400" dirty="0">
+                <a:solidFill>
+                  <a:schemeClr val="tx1">
+                    <a:lumMod val="65000"/>
+                    <a:lumOff val="35000"/>
+                  </a:schemeClr>
+                </a:solidFill>
+                <a:latin typeface="Menlo" panose="020B0609030804020204" pitchFamily="49" charset="0"/>
+                <a:ea typeface="Menlo" panose="020B0609030804020204" pitchFamily="49" charset="0"/>
+                <a:cs typeface="Menlo" panose="020B0609030804020204" pitchFamily="49" charset="0"/>
+              </a:rPr>
+              <a:t>source(“.”)</a:t>
+            </a:r>
+            <a:r>
+              <a:rPr lang="en-US" sz="1400" dirty="0">
+                <a:solidFill>
+                  <a:schemeClr val="tx1">
+                    <a:lumMod val="65000"/>
+                    <a:lumOff val="35000"/>
+                  </a:schemeClr>
+                </a:solidFill>
+              </a:rPr>
+              <a:t>` and `</a:t>
+            </a:r>
+            <a:r>
+              <a:rPr lang="en-US" sz="1400" dirty="0" err="1">
+                <a:solidFill>
+                  <a:schemeClr val="tx1">
+                    <a:lumMod val="65000"/>
+                    <a:lumOff val="35000"/>
+                  </a:schemeClr>
+                </a:solidFill>
+                <a:latin typeface="Menlo" panose="020B0609030804020204" pitchFamily="49" charset="0"/>
+                <a:ea typeface="Menlo" panose="020B0609030804020204" pitchFamily="49" charset="0"/>
+                <a:cs typeface="Menlo" panose="020B0609030804020204" pitchFamily="49" charset="0"/>
+              </a:rPr>
+              <a:t>load_all</a:t>
+            </a:r>
+            <a:r>
+              <a:rPr lang="en-US" sz="1400" dirty="0">
+                <a:solidFill>
+                  <a:schemeClr val="tx1">
+                    <a:lumMod val="65000"/>
+                    <a:lumOff val="35000"/>
+                  </a:schemeClr>
+                </a:solidFill>
+                <a:latin typeface="Menlo" panose="020B0609030804020204" pitchFamily="49" charset="0"/>
+                <a:ea typeface="Menlo" panose="020B0609030804020204" pitchFamily="49" charset="0"/>
+                <a:cs typeface="Menlo" panose="020B0609030804020204" pitchFamily="49" charset="0"/>
+              </a:rPr>
+              <a:t>(“.”)</a:t>
+            </a:r>
+            <a:r>
+              <a:rPr lang="en-US" sz="1400" dirty="0">
+                <a:solidFill>
+                  <a:schemeClr val="tx1">
+                    <a:lumMod val="65000"/>
+                    <a:lumOff val="35000"/>
+                  </a:schemeClr>
+                </a:solidFill>
+              </a:rPr>
+              <a:t>` do not behave the same way: while `</a:t>
+            </a:r>
+            <a:r>
+              <a:rPr lang="en-US" sz="1400" dirty="0">
+                <a:solidFill>
+                  <a:schemeClr val="tx1">
+                    <a:lumMod val="65000"/>
+                    <a:lumOff val="35000"/>
+                  </a:schemeClr>
+                </a:solidFill>
+                <a:latin typeface="Menlo" panose="020B0609030804020204" pitchFamily="49" charset="0"/>
+                <a:ea typeface="Menlo" panose="020B0609030804020204" pitchFamily="49" charset="0"/>
+                <a:cs typeface="Menlo" panose="020B0609030804020204" pitchFamily="49" charset="0"/>
+              </a:rPr>
+              <a:t>source</a:t>
+            </a:r>
+            <a:r>
+              <a:rPr lang="en-US" sz="1400" dirty="0">
+                <a:solidFill>
+                  <a:schemeClr val="tx1">
+                    <a:lumMod val="65000"/>
+                    <a:lumOff val="35000"/>
+                  </a:schemeClr>
+                </a:solidFill>
+              </a:rPr>
+              <a:t>` dumps all .R files found in directory and recursively, `</a:t>
+            </a:r>
+            <a:r>
+              <a:rPr lang="en-US" sz="1400" dirty="0" err="1">
+                <a:solidFill>
+                  <a:schemeClr val="tx1">
+                    <a:lumMod val="65000"/>
+                    <a:lumOff val="35000"/>
+                  </a:schemeClr>
+                </a:solidFill>
+                <a:latin typeface="Menlo" panose="020B0609030804020204" pitchFamily="49" charset="0"/>
+                <a:ea typeface="Menlo" panose="020B0609030804020204" pitchFamily="49" charset="0"/>
+                <a:cs typeface="Menlo" panose="020B0609030804020204" pitchFamily="49" charset="0"/>
+              </a:rPr>
+              <a:t>load_all</a:t>
+            </a:r>
+            <a:r>
+              <a:rPr lang="en-US" sz="1400" dirty="0">
+                <a:solidFill>
+                  <a:schemeClr val="tx1">
+                    <a:lumMod val="65000"/>
+                    <a:lumOff val="35000"/>
+                  </a:schemeClr>
+                </a:solidFill>
+                <a:latin typeface="Menlo" panose="020B0609030804020204" pitchFamily="49" charset="0"/>
+                <a:ea typeface="Menlo" panose="020B0609030804020204" pitchFamily="49" charset="0"/>
+                <a:cs typeface="Menlo" panose="020B0609030804020204" pitchFamily="49" charset="0"/>
+              </a:rPr>
+              <a:t>(“.”)</a:t>
+            </a:r>
+            <a:r>
+              <a:rPr lang="en-US" sz="1400" dirty="0">
+                <a:solidFill>
+                  <a:schemeClr val="tx1">
+                    <a:lumMod val="65000"/>
+                    <a:lumOff val="35000"/>
+                  </a:schemeClr>
+                </a:solidFill>
+              </a:rPr>
+              <a:t>` specifically reads in .R files from R/ folder.</a:t>
+            </a:r>
+          </a:p>
+          <a:p>
+            <a:pPr>
+              <a:lnSpc>
+                <a:spcPct val="100000"/>
+              </a:lnSpc>
+            </a:pPr>
+            <a:r>
+              <a:rPr lang="en-US" sz="1800" dirty="0"/>
+              <a:t> </a:t>
+            </a:r>
+          </a:p>
+        </p:txBody>
+      </p:sp>
+      <p:sp>
+        <p:nvSpPr>
+          <p:cNvPr id="6" name="Text Placeholder 5">
+            <a:extLst>
+              <a:ext uri="{FF2B5EF4-FFF2-40B4-BE49-F238E27FC236}">
+                <a16:creationId xmlns:a16="http://schemas.microsoft.com/office/drawing/2014/main" id="{8A27795F-0DE5-DB42-BE3B-D451115B54FC}"/>
+              </a:ext>
+            </a:extLst>
+          </p:cNvPr>
+          <p:cNvSpPr>
+            <a:spLocks noGrp="1"/>
+          </p:cNvSpPr>
+          <p:nvPr>
+            <p:ph type="body" sz="quarter" idx="13"/>
+          </p:nvPr>
+        </p:nvSpPr>
+        <p:spPr/>
+        <p:txBody>
+          <a:bodyPr/>
+          <a:lstStyle/>
+          <a:p>
+            <a:endParaRPr lang="en-US"/>
+          </a:p>
+        </p:txBody>
+      </p:sp>
+      <p:sp>
+        <p:nvSpPr>
+          <p:cNvPr id="24" name="Rounded Rectangle 23">
+            <a:extLst>
+              <a:ext uri="{FF2B5EF4-FFF2-40B4-BE49-F238E27FC236}">
+                <a16:creationId xmlns:a16="http://schemas.microsoft.com/office/drawing/2014/main" id="{85112820-1127-1B42-AA43-3CBC656E9D7D}"/>
+              </a:ext>
+            </a:extLst>
+          </p:cNvPr>
+          <p:cNvSpPr/>
+          <p:nvPr/>
+        </p:nvSpPr>
+        <p:spPr>
+          <a:xfrm>
+            <a:off x="241562" y="946943"/>
+            <a:ext cx="1732538" cy="412598"/>
+          </a:xfrm>
+          <a:prstGeom prst="roundRect">
+            <a:avLst/>
+          </a:prstGeom>
+        </p:spPr>
+        <p:style>
+          <a:lnRef idx="1">
+            <a:schemeClr val="accent4"/>
+          </a:lnRef>
+          <a:fillRef idx="3">
+            <a:schemeClr val="accent4"/>
+          </a:fillRef>
+          <a:effectRef idx="2">
+            <a:schemeClr val="accent4"/>
+          </a:effectRef>
+          <a:fontRef idx="minor">
+            <a:schemeClr val="lt1"/>
+          </a:fontRef>
+        </p:style>
+        <p:txBody>
+          <a:bodyPr rtlCol="0" anchor="ctr"/>
+          <a:lstStyle/>
+          <a:p>
+            <a:r>
+              <a:rPr lang="en-US" sz="1600" dirty="0">
+                <a:solidFill>
+                  <a:sysClr val="windowText" lastClr="000000"/>
+                </a:solidFill>
+                <a:latin typeface="Avenir Book" panose="02000503020000020003" pitchFamily="2" charset="0"/>
+              </a:rPr>
+              <a:t>Write functions</a:t>
+            </a:r>
+          </a:p>
+        </p:txBody>
+      </p:sp>
+    </p:spTree>
+    <p:extLst>
+      <p:ext uri="{BB962C8B-B14F-4D97-AF65-F5344CB8AC3E}">
+        <p14:creationId xmlns:p14="http://schemas.microsoft.com/office/powerpoint/2010/main" val="2006879402"/>
+      </p:ext>
+    </p:extLst>
+  </p:cSld>
+  <p:clrMapOvr>
+    <a:masterClrMapping/>
+  </p:clrMapOvr>
+</p:sld>
+</file>
+
+<file path=ppt/slides/slide16.xml><?xml version="1.0" encoding="utf-8"?>
+<p:sld xmlns:a="http://schemas.openxmlformats.org/drawingml/2006/main" xmlns:r="http://schemas.openxmlformats.org/officeDocument/2006/relationships" xmlns:p="http://schemas.openxmlformats.org/presentationml/2006/main">
+  <p:cSld>
+    <p:spTree>
+      <p:nvGrpSpPr>
+        <p:cNvPr id="1" name=""/>
+        <p:cNvGrpSpPr/>
+        <p:nvPr/>
+      </p:nvGrpSpPr>
+      <p:grpSpPr>
+        <a:xfrm>
+          <a:off x="0" y="0"/>
+          <a:ext cx="0" cy="0"/>
+          <a:chOff x="0" y="0"/>
+          <a:chExt cx="0" cy="0"/>
+        </a:xfrm>
+      </p:grpSpPr>
+      <p:sp>
+        <p:nvSpPr>
+          <p:cNvPr id="2" name="Title 1">
+            <a:extLst>
+              <a:ext uri="{FF2B5EF4-FFF2-40B4-BE49-F238E27FC236}">
+                <a16:creationId xmlns:a16="http://schemas.microsoft.com/office/drawing/2014/main" id="{95E03798-1DE5-3F43-AD03-9D487FED406D}"/>
+              </a:ext>
+            </a:extLst>
+          </p:cNvPr>
+          <p:cNvSpPr>
+            <a:spLocks noGrp="1"/>
+          </p:cNvSpPr>
+          <p:nvPr>
+            <p:ph type="title"/>
+          </p:nvPr>
+        </p:nvSpPr>
+        <p:spPr/>
+        <p:txBody>
+          <a:bodyPr/>
+          <a:lstStyle/>
+          <a:p>
+            <a:r>
+              <a:rPr lang="en-GB" dirty="0"/>
+              <a:t>How to </a:t>
+            </a:r>
+            <a:r>
+              <a:rPr lang="en-GB"/>
+              <a:t>write functions</a:t>
+            </a:r>
+            <a:endParaRPr lang="en-US" dirty="0"/>
+          </a:p>
+        </p:txBody>
+      </p:sp>
+      <p:sp>
+        <p:nvSpPr>
+          <p:cNvPr id="5" name="Content Placeholder 4">
+            <a:extLst>
+              <a:ext uri="{FF2B5EF4-FFF2-40B4-BE49-F238E27FC236}">
+                <a16:creationId xmlns:a16="http://schemas.microsoft.com/office/drawing/2014/main" id="{E6479E0C-444B-B94E-B7C8-D01D76B00897}"/>
+              </a:ext>
+            </a:extLst>
+          </p:cNvPr>
+          <p:cNvSpPr>
+            <a:spLocks noGrp="1"/>
+          </p:cNvSpPr>
+          <p:nvPr>
+            <p:ph idx="1"/>
+          </p:nvPr>
+        </p:nvSpPr>
+        <p:spPr>
+          <a:xfrm>
+            <a:off x="111760" y="873761"/>
+            <a:ext cx="11927840" cy="5517515"/>
+          </a:xfrm>
+        </p:spPr>
+        <p:txBody>
+          <a:bodyPr>
+            <a:normAutofit/>
+          </a:bodyPr>
+          <a:lstStyle/>
+          <a:p>
+            <a:pPr>
+              <a:lnSpc>
+                <a:spcPct val="100000"/>
+              </a:lnSpc>
+            </a:pPr>
+            <a:endParaRPr lang="en-US" sz="1800" dirty="0"/>
+          </a:p>
+          <a:p>
+            <a:pPr>
+              <a:lnSpc>
+                <a:spcPct val="100000"/>
+              </a:lnSpc>
+            </a:pPr>
+            <a:endParaRPr lang="en-US" sz="1800" dirty="0"/>
+          </a:p>
+          <a:p>
+            <a:pPr marL="342900" indent="-342900">
+              <a:lnSpc>
+                <a:spcPct val="100000"/>
+              </a:lnSpc>
+              <a:buFontTx/>
+              <a:buChar char="-"/>
+            </a:pPr>
+            <a:r>
+              <a:rPr lang="en-US" sz="1800" dirty="0"/>
+              <a:t>Prefer many short functions over a single massive function. Bioconductor advises functions shorter than 100 lines. </a:t>
+            </a:r>
+          </a:p>
+          <a:p>
+            <a:pPr marL="0" indent="0">
+              <a:lnSpc>
+                <a:spcPct val="100000"/>
+              </a:lnSpc>
+            </a:pPr>
+            <a:endParaRPr lang="en-US" sz="1800" dirty="0"/>
+          </a:p>
+          <a:p>
+            <a:pPr marL="0" indent="0">
+              <a:lnSpc>
+                <a:spcPct val="100000"/>
+              </a:lnSpc>
+            </a:pPr>
+            <a:endParaRPr lang="en-US" sz="1800" dirty="0"/>
+          </a:p>
+          <a:p>
+            <a:pPr marL="0" indent="0">
+              <a:lnSpc>
+                <a:spcPct val="100000"/>
+              </a:lnSpc>
+            </a:pPr>
+            <a:r>
+              <a:rPr lang="en-US" sz="1400" dirty="0">
+                <a:solidFill>
+                  <a:schemeClr val="tx1">
+                    <a:lumMod val="65000"/>
+                    <a:lumOff val="35000"/>
+                  </a:schemeClr>
+                </a:solidFill>
+              </a:rPr>
+              <a:t>Functions are </a:t>
+            </a:r>
+            <a:r>
+              <a:rPr lang="en-US" sz="1400" u="sng" dirty="0">
+                <a:solidFill>
+                  <a:schemeClr val="tx1">
+                    <a:lumMod val="65000"/>
+                    <a:lumOff val="35000"/>
+                  </a:schemeClr>
+                </a:solidFill>
+              </a:rPr>
+              <a:t>immensely</a:t>
+            </a:r>
+            <a:r>
+              <a:rPr lang="en-US" sz="1400" dirty="0">
+                <a:solidFill>
+                  <a:schemeClr val="tx1">
+                    <a:lumMod val="65000"/>
+                    <a:lumOff val="35000"/>
+                  </a:schemeClr>
+                </a:solidFill>
+              </a:rPr>
+              <a:t> easier to test/debug this way. </a:t>
+            </a:r>
+          </a:p>
+          <a:p>
+            <a:pPr>
+              <a:lnSpc>
+                <a:spcPct val="100000"/>
+              </a:lnSpc>
+            </a:pPr>
+            <a:r>
+              <a:rPr lang="en-US" sz="1800" dirty="0"/>
+              <a:t> </a:t>
+            </a:r>
+          </a:p>
+          <a:p>
+            <a:pPr marL="342900" indent="-342900">
+              <a:lnSpc>
+                <a:spcPct val="100000"/>
+              </a:lnSpc>
+              <a:buFontTx/>
+              <a:buChar char="-"/>
+            </a:pPr>
+            <a:endParaRPr lang="en-US" sz="1400" dirty="0">
+              <a:solidFill>
+                <a:schemeClr val="tx1">
+                  <a:lumMod val="65000"/>
+                  <a:lumOff val="35000"/>
+                </a:schemeClr>
+              </a:solidFill>
+            </a:endParaRPr>
+          </a:p>
+          <a:p>
+            <a:pPr>
+              <a:lnSpc>
+                <a:spcPct val="100000"/>
+              </a:lnSpc>
+            </a:pPr>
+            <a:r>
+              <a:rPr lang="en-US" sz="1800" dirty="0"/>
+              <a:t> </a:t>
+            </a:r>
+          </a:p>
+        </p:txBody>
+      </p:sp>
+      <p:sp>
+        <p:nvSpPr>
+          <p:cNvPr id="6" name="Text Placeholder 5">
+            <a:extLst>
+              <a:ext uri="{FF2B5EF4-FFF2-40B4-BE49-F238E27FC236}">
+                <a16:creationId xmlns:a16="http://schemas.microsoft.com/office/drawing/2014/main" id="{8A27795F-0DE5-DB42-BE3B-D451115B54FC}"/>
+              </a:ext>
+            </a:extLst>
+          </p:cNvPr>
+          <p:cNvSpPr>
+            <a:spLocks noGrp="1"/>
+          </p:cNvSpPr>
+          <p:nvPr>
+            <p:ph type="body" sz="quarter" idx="13"/>
+          </p:nvPr>
+        </p:nvSpPr>
+        <p:spPr/>
+        <p:txBody>
+          <a:bodyPr/>
+          <a:lstStyle/>
+          <a:p>
+            <a:endParaRPr lang="en-US"/>
+          </a:p>
+        </p:txBody>
+      </p:sp>
+      <p:sp>
+        <p:nvSpPr>
+          <p:cNvPr id="24" name="Rounded Rectangle 23">
+            <a:extLst>
+              <a:ext uri="{FF2B5EF4-FFF2-40B4-BE49-F238E27FC236}">
+                <a16:creationId xmlns:a16="http://schemas.microsoft.com/office/drawing/2014/main" id="{85112820-1127-1B42-AA43-3CBC656E9D7D}"/>
+              </a:ext>
+            </a:extLst>
+          </p:cNvPr>
+          <p:cNvSpPr/>
+          <p:nvPr/>
+        </p:nvSpPr>
+        <p:spPr>
+          <a:xfrm>
+            <a:off x="241562" y="946943"/>
+            <a:ext cx="1732538" cy="412598"/>
+          </a:xfrm>
+          <a:prstGeom prst="roundRect">
+            <a:avLst/>
+          </a:prstGeom>
+        </p:spPr>
+        <p:style>
+          <a:lnRef idx="1">
+            <a:schemeClr val="accent4"/>
+          </a:lnRef>
+          <a:fillRef idx="3">
+            <a:schemeClr val="accent4"/>
+          </a:fillRef>
+          <a:effectRef idx="2">
+            <a:schemeClr val="accent4"/>
+          </a:effectRef>
+          <a:fontRef idx="minor">
+            <a:schemeClr val="lt1"/>
+          </a:fontRef>
+        </p:style>
+        <p:txBody>
+          <a:bodyPr rtlCol="0" anchor="ctr"/>
+          <a:lstStyle/>
+          <a:p>
+            <a:r>
+              <a:rPr lang="en-US" sz="1600" dirty="0">
+                <a:solidFill>
+                  <a:sysClr val="windowText" lastClr="000000"/>
+                </a:solidFill>
+                <a:latin typeface="Avenir Book" panose="02000503020000020003" pitchFamily="2" charset="0"/>
+              </a:rPr>
+              <a:t>Write functions</a:t>
+            </a:r>
+          </a:p>
+        </p:txBody>
+      </p:sp>
+    </p:spTree>
+    <p:extLst>
+      <p:ext uri="{BB962C8B-B14F-4D97-AF65-F5344CB8AC3E}">
+        <p14:creationId xmlns:p14="http://schemas.microsoft.com/office/powerpoint/2010/main" val="3348033940"/>
       </p:ext>
     </p:extLst>
   </p:cSld>
